--- a/Sleepyfit_presentation.pptx
+++ b/Sleepyfit_presentation.pptx
@@ -5,7 +5,7 @@
     <p:sldMasterId id="2147483648" r:id="rId1"/>
   </p:sldMasterIdLst>
   <p:notesMasterIdLst>
-    <p:notesMasterId r:id="rId9"/>
+    <p:notesMasterId r:id="rId10"/>
   </p:notesMasterIdLst>
   <p:sldIdLst>
     <p:sldId id="256" r:id="rId2"/>
@@ -15,6 +15,7 @@
     <p:sldId id="260" r:id="rId6"/>
     <p:sldId id="261" r:id="rId7"/>
     <p:sldId id="262" r:id="rId8"/>
+    <p:sldId id="263" r:id="rId9"/>
   </p:sldIdLst>
   <p:sldSz cx="12192000" cy="6858000"/>
   <p:notesSz cx="6858000" cy="9144000"/>
@@ -113,6 +114,11 @@
       </a:defRPr>
     </a:lvl9pPr>
   </p:defaultTextStyle>
+  <p:extLst>
+    <p:ext uri="{EFAFB233-063F-42B5-8137-9DF3F51BA10A}">
+      <p15:sldGuideLst xmlns:p15="http://schemas.microsoft.com/office/powerpoint/2012/main"/>
+    </p:ext>
+  </p:extLst>
 </p:presentation>
 </file>
 
@@ -565,6 +571,90 @@
     <p:extLst>
       <p:ext uri="{BB962C8B-B14F-4D97-AF65-F5344CB8AC3E}">
         <p14:creationId xmlns:p14="http://schemas.microsoft.com/office/powerpoint/2010/main" val="3717358884"/>
+      </p:ext>
+    </p:extLst>
+  </p:cSld>
+  <p:clrMapOvr>
+    <a:masterClrMapping/>
+  </p:clrMapOvr>
+</p:notes>
+</file>
+
+<file path=ppt/notesSlides/notesSlide2.xml><?xml version="1.0" encoding="utf-8"?>
+<p:notes xmlns:a="http://schemas.openxmlformats.org/drawingml/2006/main" xmlns:r="http://schemas.openxmlformats.org/officeDocument/2006/relationships" xmlns:p="http://schemas.openxmlformats.org/presentationml/2006/main">
+  <p:cSld>
+    <p:spTree>
+      <p:nvGrpSpPr>
+        <p:cNvPr id="1" name=""/>
+        <p:cNvGrpSpPr/>
+        <p:nvPr/>
+      </p:nvGrpSpPr>
+      <p:grpSpPr>
+        <a:xfrm>
+          <a:off x="0" y="0"/>
+          <a:ext cx="0" cy="0"/>
+          <a:chOff x="0" y="0"/>
+          <a:chExt cx="0" cy="0"/>
+        </a:xfrm>
+      </p:grpSpPr>
+      <p:sp>
+        <p:nvSpPr>
+          <p:cNvPr id="2" name="Slide Image Placeholder 1"/>
+          <p:cNvSpPr>
+            <a:spLocks noGrp="1" noRot="1" noChangeAspect="1"/>
+          </p:cNvSpPr>
+          <p:nvPr>
+            <p:ph type="sldImg"/>
+          </p:nvPr>
+        </p:nvSpPr>
+        <p:spPr/>
+      </p:sp>
+      <p:sp>
+        <p:nvSpPr>
+          <p:cNvPr id="3" name="Notes Placeholder 2"/>
+          <p:cNvSpPr>
+            <a:spLocks noGrp="1"/>
+          </p:cNvSpPr>
+          <p:nvPr>
+            <p:ph type="body" idx="1"/>
+          </p:nvPr>
+        </p:nvSpPr>
+        <p:spPr/>
+        <p:txBody>
+          <a:bodyPr/>
+          <a:lstStyle/>
+          <a:p>
+            <a:endParaRPr lang="en-GB" dirty="0"/>
+          </a:p>
+        </p:txBody>
+      </p:sp>
+      <p:sp>
+        <p:nvSpPr>
+          <p:cNvPr id="4" name="Slide Number Placeholder 3"/>
+          <p:cNvSpPr>
+            <a:spLocks noGrp="1"/>
+          </p:cNvSpPr>
+          <p:nvPr>
+            <p:ph type="sldNum" sz="quarter" idx="5"/>
+          </p:nvPr>
+        </p:nvSpPr>
+        <p:spPr/>
+        <p:txBody>
+          <a:bodyPr/>
+          <a:lstStyle/>
+          <a:p>
+            <a:fld id="{6E00E889-BE5C-44D7-A88D-104E88A1445B}" type="slidenum">
+              <a:rPr lang="en-GB" smtClean="0"/>
+              <a:t>8</a:t>
+            </a:fld>
+            <a:endParaRPr lang="en-GB"/>
+          </a:p>
+        </p:txBody>
+      </p:sp>
+    </p:spTree>
+    <p:extLst>
+      <p:ext uri="{BB962C8B-B14F-4D97-AF65-F5344CB8AC3E}">
+        <p14:creationId xmlns:p14="http://schemas.microsoft.com/office/powerpoint/2010/main" val="3963235294"/>
       </p:ext>
     </p:extLst>
   </p:cSld>
@@ -6786,6 +6876,307 @@
     <p:extLst>
       <p:ext uri="{BB962C8B-B14F-4D97-AF65-F5344CB8AC3E}">
         <p14:creationId xmlns:p14="http://schemas.microsoft.com/office/powerpoint/2010/main" val="4280917925"/>
+      </p:ext>
+    </p:extLst>
+  </p:cSld>
+  <p:clrMapOvr>
+    <a:masterClrMapping/>
+  </p:clrMapOvr>
+</p:sld>
+</file>
+
+<file path=ppt/slides/slide8.xml><?xml version="1.0" encoding="utf-8"?>
+<p:sld xmlns:a="http://schemas.openxmlformats.org/drawingml/2006/main" xmlns:r="http://schemas.openxmlformats.org/officeDocument/2006/relationships" xmlns:p="http://schemas.openxmlformats.org/presentationml/2006/main">
+  <p:cSld>
+    <p:spTree>
+      <p:nvGrpSpPr>
+        <p:cNvPr id="1" name=""/>
+        <p:cNvGrpSpPr/>
+        <p:nvPr/>
+      </p:nvGrpSpPr>
+      <p:grpSpPr>
+        <a:xfrm>
+          <a:off x="0" y="0"/>
+          <a:ext cx="0" cy="0"/>
+          <a:chOff x="0" y="0"/>
+          <a:chExt cx="0" cy="0"/>
+        </a:xfrm>
+      </p:grpSpPr>
+      <p:sp>
+        <p:nvSpPr>
+          <p:cNvPr id="2" name="Title 1">
+            <a:extLst>
+              <a:ext uri="{FF2B5EF4-FFF2-40B4-BE49-F238E27FC236}">
+                <a16:creationId xmlns:a16="http://schemas.microsoft.com/office/drawing/2014/main" id="{96393E05-C142-487B-83A6-11C50CD23E52}"/>
+              </a:ext>
+            </a:extLst>
+          </p:cNvPr>
+          <p:cNvSpPr>
+            <a:spLocks noGrp="1"/>
+          </p:cNvSpPr>
+          <p:nvPr>
+            <p:ph type="title"/>
+          </p:nvPr>
+        </p:nvSpPr>
+        <p:spPr>
+          <a:xfrm>
+            <a:off x="838200" y="365125"/>
+            <a:ext cx="10515600" cy="1325563"/>
+          </a:xfrm>
+        </p:spPr>
+        <p:txBody>
+          <a:bodyPr/>
+          <a:lstStyle/>
+          <a:p>
+            <a:r>
+              <a:rPr lang="en-US" dirty="0"/>
+              <a:t>Acknowledgements</a:t>
+            </a:r>
+            <a:br>
+              <a:rPr lang="en-US" dirty="0"/>
+            </a:br>
+            <a:r>
+              <a:rPr lang="en-US" b="0" i="1" dirty="0"/>
+              <a:t>Big thank you to </a:t>
+            </a:r>
+            <a:r>
+              <a:rPr lang="en-US" b="0" i="1" dirty="0" err="1"/>
+              <a:t>BaselHack</a:t>
+            </a:r>
+            <a:r>
+              <a:rPr lang="en-US" b="0" i="1" dirty="0"/>
+              <a:t> and the developers of the tools we used</a:t>
+            </a:r>
+            <a:endParaRPr lang="en-GB" b="0" i="1" dirty="0"/>
+          </a:p>
+        </p:txBody>
+      </p:sp>
+      <p:cxnSp>
+        <p:nvCxnSpPr>
+          <p:cNvPr id="11" name="Straight Connector 10">
+            <a:extLst>
+              <a:ext uri="{FF2B5EF4-FFF2-40B4-BE49-F238E27FC236}">
+                <a16:creationId xmlns:a16="http://schemas.microsoft.com/office/drawing/2014/main" id="{76120861-0C7B-4860-9D5E-822BC35CD84F}"/>
+              </a:ext>
+            </a:extLst>
+          </p:cNvPr>
+          <p:cNvCxnSpPr/>
+          <p:nvPr/>
+        </p:nvCxnSpPr>
+        <p:spPr>
+          <a:xfrm>
+            <a:off x="0" y="1252027"/>
+            <a:ext cx="10796954" cy="0"/>
+          </a:xfrm>
+          <a:prstGeom prst="line">
+            <a:avLst/>
+          </a:prstGeom>
+          <a:ln w="12700">
+            <a:solidFill>
+              <a:srgbClr val="1CECD3"/>
+            </a:solidFill>
+          </a:ln>
+          <a:effectLst/>
+        </p:spPr>
+        <p:style>
+          <a:lnRef idx="1">
+            <a:schemeClr val="accent1"/>
+          </a:lnRef>
+          <a:fillRef idx="0">
+            <a:schemeClr val="accent1"/>
+          </a:fillRef>
+          <a:effectRef idx="0">
+            <a:schemeClr val="accent1"/>
+          </a:effectRef>
+          <a:fontRef idx="minor">
+            <a:schemeClr val="tx1"/>
+          </a:fontRef>
+        </p:style>
+      </p:cxnSp>
+      <p:pic>
+        <p:nvPicPr>
+          <p:cNvPr id="6" name="Picture 5" descr="A close up of a logo&#10;&#10;Description automatically generated">
+            <a:extLst>
+              <a:ext uri="{FF2B5EF4-FFF2-40B4-BE49-F238E27FC236}">
+                <a16:creationId xmlns:a16="http://schemas.microsoft.com/office/drawing/2014/main" id="{732FD764-4DFE-40C4-8D53-80F4B2DA2BC6}"/>
+              </a:ext>
+            </a:extLst>
+          </p:cNvPr>
+          <p:cNvPicPr>
+            <a:picLocks noChangeAspect="1"/>
+          </p:cNvPicPr>
+          <p:nvPr/>
+        </p:nvPicPr>
+        <p:blipFill>
+          <a:blip r:embed="rId3">
+            <a:extLst>
+              <a:ext uri="{28A0092B-C50C-407E-A947-70E740481C1C}">
+                <a14:useLocalDpi xmlns:a14="http://schemas.microsoft.com/office/drawing/2010/main" val="0"/>
+              </a:ext>
+            </a:extLst>
+          </a:blip>
+          <a:stretch>
+            <a:fillRect/>
+          </a:stretch>
+        </p:blipFill>
+        <p:spPr>
+          <a:xfrm>
+            <a:off x="2835548" y="3840173"/>
+            <a:ext cx="2857500" cy="2857500"/>
+          </a:xfrm>
+          <a:prstGeom prst="rect">
+            <a:avLst/>
+          </a:prstGeom>
+        </p:spPr>
+      </p:pic>
+      <p:pic>
+        <p:nvPicPr>
+          <p:cNvPr id="13" name="Picture 12" descr="A close up of a logo&#10;&#10;Description automatically generated">
+            <a:extLst>
+              <a:ext uri="{FF2B5EF4-FFF2-40B4-BE49-F238E27FC236}">
+                <a16:creationId xmlns:a16="http://schemas.microsoft.com/office/drawing/2014/main" id="{E7406D28-BB80-409D-8E71-20B2D5CDFCFC}"/>
+              </a:ext>
+            </a:extLst>
+          </p:cNvPr>
+          <p:cNvPicPr>
+            <a:picLocks noChangeAspect="1"/>
+          </p:cNvPicPr>
+          <p:nvPr/>
+        </p:nvPicPr>
+        <p:blipFill>
+          <a:blip r:embed="rId4">
+            <a:extLst>
+              <a:ext uri="{28A0092B-C50C-407E-A947-70E740481C1C}">
+                <a14:useLocalDpi xmlns:a14="http://schemas.microsoft.com/office/drawing/2010/main" val="0"/>
+              </a:ext>
+            </a:extLst>
+          </a:blip>
+          <a:stretch>
+            <a:fillRect/>
+          </a:stretch>
+        </p:blipFill>
+        <p:spPr>
+          <a:xfrm>
+            <a:off x="794858" y="1477796"/>
+            <a:ext cx="2857500" cy="2857500"/>
+          </a:xfrm>
+          <a:prstGeom prst="rect">
+            <a:avLst/>
+          </a:prstGeom>
+        </p:spPr>
+      </p:pic>
+      <p:pic>
+        <p:nvPicPr>
+          <p:cNvPr id="17" name="Picture 16" descr="A close up of a logo&#10;&#10;Description automatically generated">
+            <a:extLst>
+              <a:ext uri="{FF2B5EF4-FFF2-40B4-BE49-F238E27FC236}">
+                <a16:creationId xmlns:a16="http://schemas.microsoft.com/office/drawing/2014/main" id="{D5580DAC-4B24-4432-A55F-63F6188F9445}"/>
+              </a:ext>
+            </a:extLst>
+          </p:cNvPr>
+          <p:cNvPicPr>
+            <a:picLocks noChangeAspect="1"/>
+          </p:cNvPicPr>
+          <p:nvPr/>
+        </p:nvPicPr>
+        <p:blipFill>
+          <a:blip r:embed="rId5">
+            <a:extLst>
+              <a:ext uri="{28A0092B-C50C-407E-A947-70E740481C1C}">
+                <a14:useLocalDpi xmlns:a14="http://schemas.microsoft.com/office/drawing/2010/main" val="0"/>
+              </a:ext>
+            </a:extLst>
+          </a:blip>
+          <a:stretch>
+            <a:fillRect/>
+          </a:stretch>
+        </p:blipFill>
+        <p:spPr>
+          <a:xfrm>
+            <a:off x="7067204" y="4122403"/>
+            <a:ext cx="3534780" cy="1902890"/>
+          </a:xfrm>
+          <a:prstGeom prst="rect">
+            <a:avLst/>
+          </a:prstGeom>
+        </p:spPr>
+      </p:pic>
+      <p:pic>
+        <p:nvPicPr>
+          <p:cNvPr id="23" name="Picture 22" descr="A drawing of a face&#10;&#10;Description automatically generated">
+            <a:extLst>
+              <a:ext uri="{FF2B5EF4-FFF2-40B4-BE49-F238E27FC236}">
+                <a16:creationId xmlns:a16="http://schemas.microsoft.com/office/drawing/2014/main" id="{CD101465-6112-4B1C-B9BF-E8AFEDA876B6}"/>
+              </a:ext>
+            </a:extLst>
+          </p:cNvPr>
+          <p:cNvPicPr>
+            <a:picLocks noChangeAspect="1"/>
+          </p:cNvPicPr>
+          <p:nvPr/>
+        </p:nvPicPr>
+        <p:blipFill>
+          <a:blip r:embed="rId6">
+            <a:extLst>
+              <a:ext uri="{28A0092B-C50C-407E-A947-70E740481C1C}">
+                <a14:useLocalDpi xmlns:a14="http://schemas.microsoft.com/office/drawing/2010/main" val="0"/>
+              </a:ext>
+            </a:extLst>
+          </a:blip>
+          <a:stretch>
+            <a:fillRect/>
+          </a:stretch>
+        </p:blipFill>
+        <p:spPr>
+          <a:xfrm>
+            <a:off x="4958653" y="2076772"/>
+            <a:ext cx="1540301" cy="1983720"/>
+          </a:xfrm>
+          <a:prstGeom prst="rect">
+            <a:avLst/>
+          </a:prstGeom>
+        </p:spPr>
+      </p:pic>
+      <p:pic>
+        <p:nvPicPr>
+          <p:cNvPr id="25" name="Picture 24">
+            <a:extLst>
+              <a:ext uri="{FF2B5EF4-FFF2-40B4-BE49-F238E27FC236}">
+                <a16:creationId xmlns:a16="http://schemas.microsoft.com/office/drawing/2014/main" id="{A30D5339-3D85-4B30-8056-9B24480BBFB6}"/>
+              </a:ext>
+            </a:extLst>
+          </p:cNvPr>
+          <p:cNvPicPr>
+            <a:picLocks noChangeAspect="1"/>
+          </p:cNvPicPr>
+          <p:nvPr/>
+        </p:nvPicPr>
+        <p:blipFill>
+          <a:blip r:embed="rId7">
+            <a:extLst>
+              <a:ext uri="{28A0092B-C50C-407E-A947-70E740481C1C}">
+                <a14:useLocalDpi xmlns:a14="http://schemas.microsoft.com/office/drawing/2010/main" val="0"/>
+              </a:ext>
+            </a:extLst>
+          </a:blip>
+          <a:stretch>
+            <a:fillRect/>
+          </a:stretch>
+        </p:blipFill>
+        <p:spPr>
+          <a:xfrm>
+            <a:off x="7905604" y="1690688"/>
+            <a:ext cx="3642020" cy="1778330"/>
+          </a:xfrm>
+          <a:prstGeom prst="rect">
+            <a:avLst/>
+          </a:prstGeom>
+        </p:spPr>
+      </p:pic>
+    </p:spTree>
+    <p:extLst>
+      <p:ext uri="{BB962C8B-B14F-4D97-AF65-F5344CB8AC3E}">
+        <p14:creationId xmlns:p14="http://schemas.microsoft.com/office/powerpoint/2010/main" val="2513887710"/>
       </p:ext>
     </p:extLst>
   </p:cSld>
